--- a/docs/xStorefront concept presentation.pptx
+++ b/docs/xStorefront concept presentation.pptx
@@ -18891,11 +18891,7 @@
               <a:rPr lang="en-US" dirty="0">
                 <a:hlinkClick r:id="rId3"/>
               </a:rPr>
-              <a:t>https://github.com/VirtoSolutions/Caplug</a:t>
-            </a:r>
-            <a:r>
-              <a:rPr lang="en-US" dirty="0"/>
-              <a:t> </a:t>
+              <a:t>https://github.com/VirtoCommerce/vue-starter-theme</a:t>
             </a:r>
             <a:endParaRPr lang="ru-RU" dirty="0"/>
           </a:p>
@@ -28655,10 +28651,10 @@
       </p:sp>
       <p:pic>
         <p:nvPicPr>
-          <p:cNvPr id="4" name="Рисунок 3">
+          <p:cNvPr id="5" name="Рисунок 4">
             <a:extLst>
               <a:ext uri="{FF2B5EF4-FFF2-40B4-BE49-F238E27FC236}">
-                <a16:creationId xmlns:a16="http://schemas.microsoft.com/office/drawing/2014/main" id="{3B7D4453-4C7D-4C90-9364-EB72843FDE63}"/>
+                <a16:creationId xmlns:a16="http://schemas.microsoft.com/office/drawing/2014/main" id="{122C9588-1DB4-4AA0-A05E-CAD240C87F9D}"/>
               </a:ext>
             </a:extLst>
           </p:cNvPr>
@@ -28675,47 +28671,7 @@
         </p:blipFill>
         <p:spPr>
           <a:xfrm>
-            <a:off x="145409" y="722619"/>
-            <a:ext cx="7314062" cy="3891326"/>
-          </a:xfrm>
-          <a:prstGeom prst="rect">
-            <a:avLst/>
-          </a:prstGeom>
-          <a:ln>
-            <a:noFill/>
-          </a:ln>
-          <a:effectLst>
-            <a:outerShdw blurRad="292100" dist="139700" dir="2700000" algn="tl" rotWithShape="0">
-              <a:srgbClr val="333333">
-                <a:alpha val="65000"/>
-              </a:srgbClr>
-            </a:outerShdw>
-          </a:effectLst>
-        </p:spPr>
-      </p:pic>
-      <p:pic>
-        <p:nvPicPr>
-          <p:cNvPr id="5" name="Рисунок 4">
-            <a:extLst>
-              <a:ext uri="{FF2B5EF4-FFF2-40B4-BE49-F238E27FC236}">
-                <a16:creationId xmlns:a16="http://schemas.microsoft.com/office/drawing/2014/main" id="{122C9588-1DB4-4AA0-A05E-CAD240C87F9D}"/>
-              </a:ext>
-            </a:extLst>
-          </p:cNvPr>
-          <p:cNvPicPr>
-            <a:picLocks noChangeAspect="1"/>
-          </p:cNvPicPr>
-          <p:nvPr/>
-        </p:nvPicPr>
-        <p:blipFill>
-          <a:blip r:embed="rId3"/>
-          <a:stretch>
-            <a:fillRect/>
-          </a:stretch>
-        </p:blipFill>
-        <p:spPr>
-          <a:xfrm>
-            <a:off x="3465228" y="2608976"/>
+            <a:off x="1082755" y="1233181"/>
             <a:ext cx="8581363" cy="4249024"/>
           </a:xfrm>
           <a:prstGeom prst="rect">
@@ -29741,7 +29697,7 @@
         </p:nvSpPr>
         <p:spPr>
           <a:xfrm>
-            <a:off x="547382" y="5876299"/>
+            <a:off x="589327" y="5867910"/>
             <a:ext cx="9292904" cy="369332"/>
           </a:xfrm>
           <a:prstGeom prst="rect">
@@ -30678,6 +30634,15 @@
 </file>
 
 <file path=customXml/item1.xml><?xml version="1.0" encoding="utf-8"?>
+<?mso-contentType ?>
+<FormTemplates xmlns="http://schemas.microsoft.com/sharepoint/v3/contenttype/forms">
+  <Display>DocumentLibraryForm</Display>
+  <Edit>DocumentLibraryForm</Edit>
+  <New>DocumentLibraryForm</New>
+</FormTemplates>
+</file>
+
+<file path=customXml/item2.xml><?xml version="1.0" encoding="utf-8"?>
 <p:properties xmlns:p="http://schemas.microsoft.com/office/2006/metadata/properties" xmlns:xsi="http://www.w3.org/2001/XMLSchema-instance" xmlns:pc="http://schemas.microsoft.com/office/infopath/2007/PartnerControls">
   <documentManagement>
     <_Flow_SignoffStatus xmlns="860f2592-fddf-445c-beb2-67311d690a50" xsi:nil="true"/>
@@ -30690,15 +30655,6 @@
     </SharedWithUsers>
   </documentManagement>
 </p:properties>
-</file>
-
-<file path=customXml/item2.xml><?xml version="1.0" encoding="utf-8"?>
-<?mso-contentType ?>
-<FormTemplates xmlns="http://schemas.microsoft.com/sharepoint/v3/contenttype/forms">
-  <Display>DocumentLibraryForm</Display>
-  <Edit>DocumentLibraryForm</Edit>
-  <New>DocumentLibraryForm</New>
-</FormTemplates>
 </file>
 
 <file path=customXml/item3.xml><?xml version="1.0" encoding="utf-8"?>
@@ -30925,6 +30881,14 @@
 </file>
 
 <file path=customXml/itemProps1.xml><?xml version="1.0" encoding="utf-8"?>
+<ds:datastoreItem xmlns:ds="http://schemas.openxmlformats.org/officeDocument/2006/customXml" ds:itemID="{20F17DD5-BC2E-4306-9B75-E6D6E18F7A11}">
+  <ds:schemaRefs>
+    <ds:schemaRef ds:uri="http://schemas.microsoft.com/sharepoint/v3/contenttype/forms"/>
+  </ds:schemaRefs>
+</ds:datastoreItem>
+</file>
+
+<file path=customXml/itemProps2.xml><?xml version="1.0" encoding="utf-8"?>
 <ds:datastoreItem xmlns:ds="http://schemas.openxmlformats.org/officeDocument/2006/customXml" ds:itemID="{A7B32906-3BED-4D9F-927E-8F1E55A9A009}">
   <ds:schemaRefs>
     <ds:schemaRef ds:uri="860f2592-fddf-445c-beb2-67311d690a50"/>
@@ -30937,14 +30901,6 @@
     <ds:schemaRef ds:uri="http://schemas.microsoft.com/office/infopath/2007/PartnerControls"/>
     <ds:schemaRef ds:uri="http://schemas.openxmlformats.org/package/2006/metadata/core-properties"/>
     <ds:schemaRef ds:uri="http://www.w3.org/XML/1998/namespace"/>
-  </ds:schemaRefs>
-</ds:datastoreItem>
-</file>
-
-<file path=customXml/itemProps2.xml><?xml version="1.0" encoding="utf-8"?>
-<ds:datastoreItem xmlns:ds="http://schemas.openxmlformats.org/officeDocument/2006/customXml" ds:itemID="{20F17DD5-BC2E-4306-9B75-E6D6E18F7A11}">
-  <ds:schemaRefs>
-    <ds:schemaRef ds:uri="http://schemas.microsoft.com/sharepoint/v3/contenttype/forms"/>
   </ds:schemaRefs>
 </ds:datastoreItem>
 </file>
